--- a/1225進捗(numa).pptx
+++ b/1225進捗(numa).pptx
@@ -5,10 +5,14 @@
     <p:sldMasterId id="2147483648" r:id="rId1"/>
   </p:sldMasterIdLst>
   <p:notesMasterIdLst>
-    <p:notesMasterId r:id="rId3"/>
+    <p:notesMasterId r:id="rId7"/>
   </p:notesMasterIdLst>
   <p:sldIdLst>
     <p:sldId id="256" r:id="rId2"/>
+    <p:sldId id="257" r:id="rId3"/>
+    <p:sldId id="259" r:id="rId4"/>
+    <p:sldId id="260" r:id="rId5"/>
+    <p:sldId id="258" r:id="rId6"/>
   </p:sldIdLst>
   <p:sldSz cx="9144000" cy="6858000" type="screen4x3"/>
   <p:notesSz cx="6858000" cy="9144000"/>
@@ -113,6 +117,10 @@
         <p14:section name="既定のセクション" id="{F16C0970-AE49-C14F-B39C-514FC6A8B575}">
           <p14:sldIdLst>
             <p14:sldId id="256"/>
+            <p14:sldId id="257"/>
+            <p14:sldId id="259"/>
+            <p14:sldId id="260"/>
+            <p14:sldId id="258"/>
           </p14:sldIdLst>
         </p14:section>
       </p14:sectionLst>
@@ -3936,6 +3944,593 @@
     <p:extLst>
       <p:ext uri="{BB962C8B-B14F-4D97-AF65-F5344CB8AC3E}">
         <p14:creationId xmlns:p14="http://schemas.microsoft.com/office/powerpoint/2010/main" val="920729019"/>
+      </p:ext>
+    </p:extLst>
+  </p:cSld>
+  <p:clrMapOvr>
+    <a:masterClrMapping/>
+  </p:clrMapOvr>
+</p:sld>
+</file>
+
+<file path=ppt/slides/slide2.xml><?xml version="1.0" encoding="utf-8"?>
+<p:sld xmlns:a="http://schemas.openxmlformats.org/drawingml/2006/main" xmlns:r="http://schemas.openxmlformats.org/officeDocument/2006/relationships" xmlns:p="http://schemas.openxmlformats.org/presentationml/2006/main">
+  <p:cSld>
+    <p:spTree>
+      <p:nvGrpSpPr>
+        <p:cNvPr id="1" name=""/>
+        <p:cNvGrpSpPr/>
+        <p:nvPr/>
+      </p:nvGrpSpPr>
+      <p:grpSpPr>
+        <a:xfrm>
+          <a:off x="0" y="0"/>
+          <a:ext cx="0" cy="0"/>
+          <a:chOff x="0" y="0"/>
+          <a:chExt cx="0" cy="0"/>
+        </a:xfrm>
+      </p:grpSpPr>
+      <p:sp>
+        <p:nvSpPr>
+          <p:cNvPr id="2" name="タイトル 1">
+            <a:extLst>
+              <a:ext uri="{FF2B5EF4-FFF2-40B4-BE49-F238E27FC236}">
+                <a16:creationId xmlns:a16="http://schemas.microsoft.com/office/drawing/2014/main" id="{B488EEBA-DF96-4348-8C6C-41A96B769D90}"/>
+              </a:ext>
+            </a:extLst>
+          </p:cNvPr>
+          <p:cNvSpPr>
+            <a:spLocks noGrp="1"/>
+          </p:cNvSpPr>
+          <p:nvPr>
+            <p:ph type="title"/>
+          </p:nvPr>
+        </p:nvSpPr>
+        <p:spPr/>
+        <p:txBody>
+          <a:bodyPr/>
+          <a:lstStyle/>
+          <a:p>
+            <a:r>
+              <a:rPr kumimoji="1" lang="ja-JP" altLang="en-US"/>
+              <a:t>発表の流れ</a:t>
+            </a:r>
+          </a:p>
+        </p:txBody>
+      </p:sp>
+      <p:sp>
+        <p:nvSpPr>
+          <p:cNvPr id="3" name="コンテンツ プレースホルダー 2">
+            <a:extLst>
+              <a:ext uri="{FF2B5EF4-FFF2-40B4-BE49-F238E27FC236}">
+                <a16:creationId xmlns:a16="http://schemas.microsoft.com/office/drawing/2014/main" id="{83482EC4-DA1F-9545-B09C-E42CE6647AA8}"/>
+              </a:ext>
+            </a:extLst>
+          </p:cNvPr>
+          <p:cNvSpPr>
+            <a:spLocks noGrp="1"/>
+          </p:cNvSpPr>
+          <p:nvPr>
+            <p:ph idx="1"/>
+          </p:nvPr>
+        </p:nvSpPr>
+        <p:spPr/>
+        <p:txBody>
+          <a:bodyPr/>
+          <a:lstStyle/>
+          <a:p>
+            <a:pPr marL="514350" indent="-514350">
+              <a:buFont typeface="+mj-lt"/>
+              <a:buAutoNum type="arabicPeriod"/>
+            </a:pPr>
+            <a:r>
+              <a:rPr kumimoji="1" lang="ja-JP" altLang="en-US"/>
+              <a:t>シミュレータの進捗</a:t>
+            </a:r>
+            <a:endParaRPr kumimoji="1" lang="en-US" altLang="ja-JP" dirty="0"/>
+          </a:p>
+          <a:p>
+            <a:pPr marL="514350" indent="-514350">
+              <a:buFont typeface="+mj-lt"/>
+              <a:buAutoNum type="arabicPeriod"/>
+            </a:pPr>
+            <a:endParaRPr lang="en-US" altLang="ja-JP" dirty="0"/>
+          </a:p>
+          <a:p>
+            <a:pPr marL="514350" indent="-514350">
+              <a:buFont typeface="+mj-lt"/>
+              <a:buAutoNum type="arabicPeriod"/>
+            </a:pPr>
+            <a:r>
+              <a:rPr kumimoji="1" lang="en-US" altLang="ja-JP" dirty="0"/>
+              <a:t>LTI</a:t>
+            </a:r>
+            <a:r>
+              <a:rPr kumimoji="1" lang="ja-JP" altLang="en-US"/>
+              <a:t>の進捗</a:t>
+            </a:r>
+            <a:endParaRPr kumimoji="1" lang="en-US" altLang="ja-JP" dirty="0"/>
+          </a:p>
+          <a:p>
+            <a:pPr marL="514350" indent="-514350">
+              <a:buFont typeface="+mj-lt"/>
+              <a:buAutoNum type="arabicPeriod"/>
+            </a:pPr>
+            <a:endParaRPr lang="en-US" altLang="ja-JP" dirty="0"/>
+          </a:p>
+          <a:p>
+            <a:pPr marL="514350" indent="-514350">
+              <a:buFont typeface="+mj-lt"/>
+              <a:buAutoNum type="arabicPeriod"/>
+            </a:pPr>
+            <a:r>
+              <a:rPr kumimoji="1" lang="ja-JP" altLang="en-US"/>
+              <a:t>課題</a:t>
+            </a:r>
+          </a:p>
+        </p:txBody>
+      </p:sp>
+      <p:sp>
+        <p:nvSpPr>
+          <p:cNvPr id="4" name="スライド番号プレースホルダー 3">
+            <a:extLst>
+              <a:ext uri="{FF2B5EF4-FFF2-40B4-BE49-F238E27FC236}">
+                <a16:creationId xmlns:a16="http://schemas.microsoft.com/office/drawing/2014/main" id="{61F541E8-3868-C646-9B3A-C66E6368F314}"/>
+              </a:ext>
+            </a:extLst>
+          </p:cNvPr>
+          <p:cNvSpPr>
+            <a:spLocks noGrp="1"/>
+          </p:cNvSpPr>
+          <p:nvPr>
+            <p:ph type="sldNum" sz="quarter" idx="12"/>
+          </p:nvPr>
+        </p:nvSpPr>
+        <p:spPr/>
+        <p:txBody>
+          <a:bodyPr/>
+          <a:lstStyle/>
+          <a:p>
+            <a:pPr algn="ctr"/>
+            <a:fld id="{CA23F248-F353-4F36-A746-B1953A38AE2D}" type="slidenum">
+              <a:rPr lang="ja-JP" altLang="en-US" smtClean="0"/>
+              <a:pPr algn="ctr"/>
+              <a:t>2</a:t>
+            </a:fld>
+            <a:endParaRPr lang="ja-JP" altLang="en-US" dirty="0"/>
+          </a:p>
+        </p:txBody>
+      </p:sp>
+    </p:spTree>
+    <p:extLst>
+      <p:ext uri="{BB962C8B-B14F-4D97-AF65-F5344CB8AC3E}">
+        <p14:creationId xmlns:p14="http://schemas.microsoft.com/office/powerpoint/2010/main" val="1411063236"/>
+      </p:ext>
+    </p:extLst>
+  </p:cSld>
+  <p:clrMapOvr>
+    <a:masterClrMapping/>
+  </p:clrMapOvr>
+</p:sld>
+</file>
+
+<file path=ppt/slides/slide3.xml><?xml version="1.0" encoding="utf-8"?>
+<p:sld xmlns:a="http://schemas.openxmlformats.org/drawingml/2006/main" xmlns:r="http://schemas.openxmlformats.org/officeDocument/2006/relationships" xmlns:p="http://schemas.openxmlformats.org/presentationml/2006/main">
+  <p:cSld>
+    <p:spTree>
+      <p:nvGrpSpPr>
+        <p:cNvPr id="1" name=""/>
+        <p:cNvGrpSpPr/>
+        <p:nvPr/>
+      </p:nvGrpSpPr>
+      <p:grpSpPr>
+        <a:xfrm>
+          <a:off x="0" y="0"/>
+          <a:ext cx="0" cy="0"/>
+          <a:chOff x="0" y="0"/>
+          <a:chExt cx="0" cy="0"/>
+        </a:xfrm>
+      </p:grpSpPr>
+      <p:sp>
+        <p:nvSpPr>
+          <p:cNvPr id="2" name="タイトル 1">
+            <a:extLst>
+              <a:ext uri="{FF2B5EF4-FFF2-40B4-BE49-F238E27FC236}">
+                <a16:creationId xmlns:a16="http://schemas.microsoft.com/office/drawing/2014/main" id="{71587280-4A8E-A142-8516-12D813276F1D}"/>
+              </a:ext>
+            </a:extLst>
+          </p:cNvPr>
+          <p:cNvSpPr>
+            <a:spLocks noGrp="1"/>
+          </p:cNvSpPr>
+          <p:nvPr>
+            <p:ph type="title"/>
+          </p:nvPr>
+        </p:nvSpPr>
+        <p:spPr/>
+        <p:txBody>
+          <a:bodyPr/>
+          <a:lstStyle/>
+          <a:p>
+            <a:r>
+              <a:rPr kumimoji="1" lang="ja-JP" altLang="en-US"/>
+              <a:t>シミュレータの進捗</a:t>
+            </a:r>
+          </a:p>
+        </p:txBody>
+      </p:sp>
+      <p:sp>
+        <p:nvSpPr>
+          <p:cNvPr id="3" name="コンテンツ プレースホルダー 2">
+            <a:extLst>
+              <a:ext uri="{FF2B5EF4-FFF2-40B4-BE49-F238E27FC236}">
+                <a16:creationId xmlns:a16="http://schemas.microsoft.com/office/drawing/2014/main" id="{799D30A8-5607-1A4D-8942-FEC54A8300C2}"/>
+              </a:ext>
+            </a:extLst>
+          </p:cNvPr>
+          <p:cNvSpPr>
+            <a:spLocks noGrp="1"/>
+          </p:cNvSpPr>
+          <p:nvPr>
+            <p:ph idx="1"/>
+          </p:nvPr>
+        </p:nvSpPr>
+        <p:spPr/>
+        <p:txBody>
+          <a:bodyPr/>
+          <a:lstStyle/>
+          <a:p>
+            <a:r>
+              <a:rPr kumimoji="1" lang="ja-JP" altLang="en-US"/>
+              <a:t>シミュレータとして完成の目処がたった</a:t>
+            </a:r>
+            <a:endParaRPr kumimoji="1" lang="en-US" altLang="ja-JP" dirty="0"/>
+          </a:p>
+          <a:p>
+            <a:endParaRPr lang="en-US" altLang="ja-JP" dirty="0"/>
+          </a:p>
+          <a:p>
+            <a:r>
+              <a:rPr kumimoji="1" lang="ja-JP" altLang="en-US"/>
+              <a:t>卒論を書いた</a:t>
+            </a:r>
+          </a:p>
+        </p:txBody>
+      </p:sp>
+      <p:sp>
+        <p:nvSpPr>
+          <p:cNvPr id="4" name="スライド番号プレースホルダー 3">
+            <a:extLst>
+              <a:ext uri="{FF2B5EF4-FFF2-40B4-BE49-F238E27FC236}">
+                <a16:creationId xmlns:a16="http://schemas.microsoft.com/office/drawing/2014/main" id="{ADDA34E5-C613-9F4E-96CC-3EFEC5D6BB56}"/>
+              </a:ext>
+            </a:extLst>
+          </p:cNvPr>
+          <p:cNvSpPr>
+            <a:spLocks noGrp="1"/>
+          </p:cNvSpPr>
+          <p:nvPr>
+            <p:ph type="sldNum" sz="quarter" idx="12"/>
+          </p:nvPr>
+        </p:nvSpPr>
+        <p:spPr/>
+        <p:txBody>
+          <a:bodyPr/>
+          <a:lstStyle/>
+          <a:p>
+            <a:pPr algn="ctr"/>
+            <a:fld id="{CA23F248-F353-4F36-A746-B1953A38AE2D}" type="slidenum">
+              <a:rPr lang="ja-JP" altLang="en-US" smtClean="0"/>
+              <a:pPr algn="ctr"/>
+              <a:t>3</a:t>
+            </a:fld>
+            <a:endParaRPr lang="ja-JP" altLang="en-US" dirty="0"/>
+          </a:p>
+        </p:txBody>
+      </p:sp>
+    </p:spTree>
+    <p:extLst>
+      <p:ext uri="{BB962C8B-B14F-4D97-AF65-F5344CB8AC3E}">
+        <p14:creationId xmlns:p14="http://schemas.microsoft.com/office/powerpoint/2010/main" val="1047775669"/>
+      </p:ext>
+    </p:extLst>
+  </p:cSld>
+  <p:clrMapOvr>
+    <a:masterClrMapping/>
+  </p:clrMapOvr>
+</p:sld>
+</file>
+
+<file path=ppt/slides/slide4.xml><?xml version="1.0" encoding="utf-8"?>
+<p:sld xmlns:a="http://schemas.openxmlformats.org/drawingml/2006/main" xmlns:r="http://schemas.openxmlformats.org/officeDocument/2006/relationships" xmlns:p="http://schemas.openxmlformats.org/presentationml/2006/main">
+  <p:cSld>
+    <p:spTree>
+      <p:nvGrpSpPr>
+        <p:cNvPr id="1" name=""/>
+        <p:cNvGrpSpPr/>
+        <p:nvPr/>
+      </p:nvGrpSpPr>
+      <p:grpSpPr>
+        <a:xfrm>
+          <a:off x="0" y="0"/>
+          <a:ext cx="0" cy="0"/>
+          <a:chOff x="0" y="0"/>
+          <a:chExt cx="0" cy="0"/>
+        </a:xfrm>
+      </p:grpSpPr>
+      <p:sp>
+        <p:nvSpPr>
+          <p:cNvPr id="2" name="タイトル 1">
+            <a:extLst>
+              <a:ext uri="{FF2B5EF4-FFF2-40B4-BE49-F238E27FC236}">
+                <a16:creationId xmlns:a16="http://schemas.microsoft.com/office/drawing/2014/main" id="{DBCA5107-29B8-A242-80A2-FAE76F26E1DC}"/>
+              </a:ext>
+            </a:extLst>
+          </p:cNvPr>
+          <p:cNvSpPr>
+            <a:spLocks noGrp="1"/>
+          </p:cNvSpPr>
+          <p:nvPr>
+            <p:ph type="title"/>
+          </p:nvPr>
+        </p:nvSpPr>
+        <p:spPr/>
+        <p:txBody>
+          <a:bodyPr/>
+          <a:lstStyle/>
+          <a:p>
+            <a:r>
+              <a:rPr lang="ja-JP" altLang="en-US"/>
+              <a:t>可能なら</a:t>
+            </a:r>
+            <a:endParaRPr kumimoji="1" lang="ja-JP" altLang="en-US"/>
+          </a:p>
+        </p:txBody>
+      </p:sp>
+      <p:sp>
+        <p:nvSpPr>
+          <p:cNvPr id="3" name="コンテンツ プレースホルダー 2">
+            <a:extLst>
+              <a:ext uri="{FF2B5EF4-FFF2-40B4-BE49-F238E27FC236}">
+                <a16:creationId xmlns:a16="http://schemas.microsoft.com/office/drawing/2014/main" id="{702E9B03-C4F4-7D40-9752-19A762547DCA}"/>
+              </a:ext>
+            </a:extLst>
+          </p:cNvPr>
+          <p:cNvSpPr>
+            <a:spLocks noGrp="1"/>
+          </p:cNvSpPr>
+          <p:nvPr>
+            <p:ph idx="1"/>
+          </p:nvPr>
+        </p:nvSpPr>
+        <p:spPr/>
+        <p:txBody>
+          <a:bodyPr/>
+          <a:lstStyle/>
+          <a:p>
+            <a:r>
+              <a:rPr kumimoji="1" lang="ja-JP" altLang="en-US"/>
+              <a:t>ヒートマップの導入</a:t>
+            </a:r>
+            <a:endParaRPr kumimoji="1" lang="en-US" altLang="ja-JP" dirty="0"/>
+          </a:p>
+          <a:p>
+            <a:pPr lvl="1"/>
+            <a:r>
+              <a:rPr lang="en-US" altLang="ja-JP" dirty="0"/>
+              <a:t>gem</a:t>
+            </a:r>
+            <a:r>
+              <a:rPr lang="ja-JP" altLang="en-US"/>
+              <a:t>でいけそう</a:t>
+            </a:r>
+            <a:endParaRPr lang="en-US" altLang="ja-JP" dirty="0"/>
+          </a:p>
+          <a:p>
+            <a:endParaRPr kumimoji="1" lang="en-US" altLang="ja-JP" dirty="0"/>
+          </a:p>
+          <a:p>
+            <a:r>
+              <a:rPr kumimoji="1" lang="ja-JP" altLang="en-US"/>
+              <a:t>問題の作成、共有の機能追加</a:t>
+            </a:r>
+            <a:endParaRPr kumimoji="1" lang="en-US" altLang="ja-JP" dirty="0"/>
+          </a:p>
+          <a:p>
+            <a:endParaRPr lang="en-US" altLang="ja-JP" dirty="0"/>
+          </a:p>
+          <a:p>
+            <a:r>
+              <a:rPr kumimoji="1" lang="ja-JP" altLang="en-US"/>
+              <a:t>ルータにコネクタの要素を</a:t>
+            </a:r>
+            <a:endParaRPr kumimoji="1" lang="en-US" altLang="ja-JP" dirty="0"/>
+          </a:p>
+          <a:p>
+            <a:pPr lvl="1"/>
+            <a:endParaRPr kumimoji="1" lang="ja-JP" altLang="en-US"/>
+          </a:p>
+        </p:txBody>
+      </p:sp>
+      <p:sp>
+        <p:nvSpPr>
+          <p:cNvPr id="4" name="スライド番号プレースホルダー 3">
+            <a:extLst>
+              <a:ext uri="{FF2B5EF4-FFF2-40B4-BE49-F238E27FC236}">
+                <a16:creationId xmlns:a16="http://schemas.microsoft.com/office/drawing/2014/main" id="{FC0F158A-5385-4449-84D7-8D411D60534D}"/>
+              </a:ext>
+            </a:extLst>
+          </p:cNvPr>
+          <p:cNvSpPr>
+            <a:spLocks noGrp="1"/>
+          </p:cNvSpPr>
+          <p:nvPr>
+            <p:ph type="sldNum" sz="quarter" idx="12"/>
+          </p:nvPr>
+        </p:nvSpPr>
+        <p:spPr/>
+        <p:txBody>
+          <a:bodyPr/>
+          <a:lstStyle/>
+          <a:p>
+            <a:pPr algn="ctr"/>
+            <a:fld id="{CA23F248-F353-4F36-A746-B1953A38AE2D}" type="slidenum">
+              <a:rPr lang="ja-JP" altLang="en-US" smtClean="0"/>
+              <a:pPr algn="ctr"/>
+              <a:t>4</a:t>
+            </a:fld>
+            <a:endParaRPr lang="ja-JP" altLang="en-US" dirty="0"/>
+          </a:p>
+        </p:txBody>
+      </p:sp>
+    </p:spTree>
+    <p:extLst>
+      <p:ext uri="{BB962C8B-B14F-4D97-AF65-F5344CB8AC3E}">
+        <p14:creationId xmlns:p14="http://schemas.microsoft.com/office/powerpoint/2010/main" val="3652530098"/>
+      </p:ext>
+    </p:extLst>
+  </p:cSld>
+  <p:clrMapOvr>
+    <a:masterClrMapping/>
+  </p:clrMapOvr>
+</p:sld>
+</file>
+
+<file path=ppt/slides/slide5.xml><?xml version="1.0" encoding="utf-8"?>
+<p:sld xmlns:a="http://schemas.openxmlformats.org/drawingml/2006/main" xmlns:r="http://schemas.openxmlformats.org/officeDocument/2006/relationships" xmlns:p="http://schemas.openxmlformats.org/presentationml/2006/main">
+  <p:cSld>
+    <p:spTree>
+      <p:nvGrpSpPr>
+        <p:cNvPr id="1" name=""/>
+        <p:cNvGrpSpPr/>
+        <p:nvPr/>
+      </p:nvGrpSpPr>
+      <p:grpSpPr>
+        <a:xfrm>
+          <a:off x="0" y="0"/>
+          <a:ext cx="0" cy="0"/>
+          <a:chOff x="0" y="0"/>
+          <a:chExt cx="0" cy="0"/>
+        </a:xfrm>
+      </p:grpSpPr>
+      <p:sp>
+        <p:nvSpPr>
+          <p:cNvPr id="2" name="タイトル 1">
+            <a:extLst>
+              <a:ext uri="{FF2B5EF4-FFF2-40B4-BE49-F238E27FC236}">
+                <a16:creationId xmlns:a16="http://schemas.microsoft.com/office/drawing/2014/main" id="{7F1D9C93-D5CA-1D45-83FF-77E40CDCABE3}"/>
+              </a:ext>
+            </a:extLst>
+          </p:cNvPr>
+          <p:cNvSpPr>
+            <a:spLocks noGrp="1"/>
+          </p:cNvSpPr>
+          <p:nvPr>
+            <p:ph type="title"/>
+          </p:nvPr>
+        </p:nvSpPr>
+        <p:spPr/>
+        <p:txBody>
+          <a:bodyPr/>
+          <a:lstStyle/>
+          <a:p>
+            <a:r>
+              <a:rPr kumimoji="1" lang="ja-JP" altLang="en-US"/>
+              <a:t>課題</a:t>
+            </a:r>
+          </a:p>
+        </p:txBody>
+      </p:sp>
+      <p:sp>
+        <p:nvSpPr>
+          <p:cNvPr id="3" name="コンテンツ プレースホルダー 2">
+            <a:extLst>
+              <a:ext uri="{FF2B5EF4-FFF2-40B4-BE49-F238E27FC236}">
+                <a16:creationId xmlns:a16="http://schemas.microsoft.com/office/drawing/2014/main" id="{ACC6A3C4-EE68-7640-AB87-074E24BC681E}"/>
+              </a:ext>
+            </a:extLst>
+          </p:cNvPr>
+          <p:cNvSpPr>
+            <a:spLocks noGrp="1"/>
+          </p:cNvSpPr>
+          <p:nvPr>
+            <p:ph idx="1"/>
+          </p:nvPr>
+        </p:nvSpPr>
+        <p:spPr/>
+        <p:txBody>
+          <a:bodyPr/>
+          <a:lstStyle/>
+          <a:p>
+            <a:r>
+              <a:rPr kumimoji="1" lang="ja-JP" altLang="en-US"/>
+              <a:t>シミュレータ</a:t>
+            </a:r>
+            <a:endParaRPr kumimoji="1" lang="en-US" altLang="ja-JP" dirty="0"/>
+          </a:p>
+          <a:p>
+            <a:pPr lvl="1"/>
+            <a:r>
+              <a:rPr lang="ja-JP" altLang="en-US"/>
+              <a:t>うまく連携を取る</a:t>
+            </a:r>
+            <a:endParaRPr lang="en-US" altLang="ja-JP" dirty="0"/>
+          </a:p>
+          <a:p>
+            <a:pPr lvl="1"/>
+            <a:r>
+              <a:rPr kumimoji="1" lang="ja-JP" altLang="en-US"/>
+              <a:t>できれば新機能</a:t>
+            </a:r>
+            <a:endParaRPr kumimoji="1" lang="en-US" altLang="ja-JP" dirty="0"/>
+          </a:p>
+          <a:p>
+            <a:endParaRPr lang="en-US" altLang="ja-JP" dirty="0"/>
+          </a:p>
+          <a:p>
+            <a:r>
+              <a:rPr kumimoji="1" lang="en-US" altLang="ja-JP" dirty="0"/>
+              <a:t>LTI</a:t>
+            </a:r>
+            <a:endParaRPr kumimoji="1" lang="ja-JP" altLang="en-US"/>
+          </a:p>
+        </p:txBody>
+      </p:sp>
+      <p:sp>
+        <p:nvSpPr>
+          <p:cNvPr id="4" name="スライド番号プレースホルダー 3">
+            <a:extLst>
+              <a:ext uri="{FF2B5EF4-FFF2-40B4-BE49-F238E27FC236}">
+                <a16:creationId xmlns:a16="http://schemas.microsoft.com/office/drawing/2014/main" id="{FBC34FF7-2812-F343-B0F7-4F3015DC41B9}"/>
+              </a:ext>
+            </a:extLst>
+          </p:cNvPr>
+          <p:cNvSpPr>
+            <a:spLocks noGrp="1"/>
+          </p:cNvSpPr>
+          <p:nvPr>
+            <p:ph type="sldNum" sz="quarter" idx="12"/>
+          </p:nvPr>
+        </p:nvSpPr>
+        <p:spPr/>
+        <p:txBody>
+          <a:bodyPr/>
+          <a:lstStyle/>
+          <a:p>
+            <a:pPr algn="ctr"/>
+            <a:fld id="{CA23F248-F353-4F36-A746-B1953A38AE2D}" type="slidenum">
+              <a:rPr lang="ja-JP" altLang="en-US" smtClean="0"/>
+              <a:pPr algn="ctr"/>
+              <a:t>5</a:t>
+            </a:fld>
+            <a:endParaRPr lang="ja-JP" altLang="en-US" dirty="0"/>
+          </a:p>
+        </p:txBody>
+      </p:sp>
+    </p:spTree>
+    <p:extLst>
+      <p:ext uri="{BB962C8B-B14F-4D97-AF65-F5344CB8AC3E}">
+        <p14:creationId xmlns:p14="http://schemas.microsoft.com/office/powerpoint/2010/main" val="3993822185"/>
       </p:ext>
     </p:extLst>
   </p:cSld>

--- a/1225進捗(numa).pptx
+++ b/1225進捗(numa).pptx
@@ -3899,6 +3899,10 @@
               <a:rPr lang="ja-JP" altLang="en-US"/>
               <a:t>したネットワーク</a:t>
             </a:r>
+            <a:r>
+              <a:rPr lang="en-US" altLang="ja-JP" dirty="0"/>
+              <a:t/>
+            </a:r>
             <a:br>
               <a:rPr lang="en-US" altLang="ja-JP" dirty="0"/>
             </a:br>
@@ -3975,7 +3979,7 @@
           <p:cNvPr id="2" name="タイトル 1">
             <a:extLst>
               <a:ext uri="{FF2B5EF4-FFF2-40B4-BE49-F238E27FC236}">
-                <a16:creationId xmlns:a16="http://schemas.microsoft.com/office/drawing/2014/main" id="{B488EEBA-DF96-4348-8C6C-41A96B769D90}"/>
+                <a16:creationId xmlns:a16="http://schemas.microsoft.com/office/drawing/2014/main" xmlns="" id="{B488EEBA-DF96-4348-8C6C-41A96B769D90}"/>
               </a:ext>
             </a:extLst>
           </p:cNvPr>
@@ -4003,7 +4007,7 @@
           <p:cNvPr id="3" name="コンテンツ プレースホルダー 2">
             <a:extLst>
               <a:ext uri="{FF2B5EF4-FFF2-40B4-BE49-F238E27FC236}">
-                <a16:creationId xmlns:a16="http://schemas.microsoft.com/office/drawing/2014/main" id="{83482EC4-DA1F-9545-B09C-E42CE6647AA8}"/>
+                <a16:creationId xmlns:a16="http://schemas.microsoft.com/office/drawing/2014/main" xmlns="" id="{83482EC4-DA1F-9545-B09C-E42CE6647AA8}"/>
               </a:ext>
             </a:extLst>
           </p:cNvPr>
@@ -4075,7 +4079,7 @@
           <p:cNvPr id="4" name="スライド番号プレースホルダー 3">
             <a:extLst>
               <a:ext uri="{FF2B5EF4-FFF2-40B4-BE49-F238E27FC236}">
-                <a16:creationId xmlns:a16="http://schemas.microsoft.com/office/drawing/2014/main" id="{61F541E8-3868-C646-9B3A-C66E6368F314}"/>
+                <a16:creationId xmlns:a16="http://schemas.microsoft.com/office/drawing/2014/main" xmlns="" id="{61F541E8-3868-C646-9B3A-C66E6368F314}"/>
               </a:ext>
             </a:extLst>
           </p:cNvPr>
@@ -4136,7 +4140,7 @@
           <p:cNvPr id="2" name="タイトル 1">
             <a:extLst>
               <a:ext uri="{FF2B5EF4-FFF2-40B4-BE49-F238E27FC236}">
-                <a16:creationId xmlns:a16="http://schemas.microsoft.com/office/drawing/2014/main" id="{71587280-4A8E-A142-8516-12D813276F1D}"/>
+                <a16:creationId xmlns:a16="http://schemas.microsoft.com/office/drawing/2014/main" xmlns="" id="{71587280-4A8E-A142-8516-12D813276F1D}"/>
               </a:ext>
             </a:extLst>
           </p:cNvPr>
@@ -4153,8 +4157,20 @@
           <a:lstStyle/>
           <a:p>
             <a:r>
-              <a:rPr kumimoji="1" lang="ja-JP" altLang="en-US"/>
-              <a:t>シミュレータの進捗</a:t>
+              <a:rPr kumimoji="1" lang="ja-JP" altLang="en-US" dirty="0" smtClean="0"/>
+              <a:t>シミュレータと</a:t>
+            </a:r>
+            <a:r>
+              <a:rPr kumimoji="1" lang="en-US" altLang="ja-JP" dirty="0" smtClean="0"/>
+              <a:t>LTI</a:t>
+            </a:r>
+            <a:r>
+              <a:rPr kumimoji="1" lang="ja-JP" altLang="en-US" dirty="0" smtClean="0"/>
+              <a:t>の</a:t>
+            </a:r>
+            <a:r>
+              <a:rPr kumimoji="1" lang="ja-JP" altLang="en-US" dirty="0"/>
+              <a:t>進捗</a:t>
             </a:r>
           </a:p>
         </p:txBody>
@@ -4164,7 +4180,7 @@
           <p:cNvPr id="3" name="コンテンツ プレースホルダー 2">
             <a:extLst>
               <a:ext uri="{FF2B5EF4-FFF2-40B4-BE49-F238E27FC236}">
-                <a16:creationId xmlns:a16="http://schemas.microsoft.com/office/drawing/2014/main" id="{799D30A8-5607-1A4D-8942-FEC54A8300C2}"/>
+                <a16:creationId xmlns:a16="http://schemas.microsoft.com/office/drawing/2014/main" xmlns="" id="{799D30A8-5607-1A4D-8942-FEC54A8300C2}"/>
               </a:ext>
             </a:extLst>
           </p:cNvPr>
@@ -4177,12 +4193,52 @@
         </p:nvSpPr>
         <p:spPr/>
         <p:txBody>
-          <a:bodyPr/>
-          <a:lstStyle/>
-          <a:p>
-            <a:r>
-              <a:rPr kumimoji="1" lang="ja-JP" altLang="en-US"/>
-              <a:t>シミュレータとして完成の目処がたった</a:t>
+          <a:bodyPr>
+            <a:normAutofit/>
+          </a:bodyPr>
+          <a:lstStyle/>
+          <a:p>
+            <a:r>
+              <a:rPr kumimoji="1" lang="ja-JP" altLang="en-US" dirty="0"/>
+              <a:t>シミュレータとして完成の目処が</a:t>
+            </a:r>
+            <a:r>
+              <a:rPr kumimoji="1" lang="ja-JP" altLang="en-US" dirty="0" smtClean="0"/>
+              <a:t>たった</a:t>
+            </a:r>
+            <a:endParaRPr kumimoji="1" lang="en-US" altLang="ja-JP" dirty="0" smtClean="0"/>
+          </a:p>
+          <a:p>
+            <a:endParaRPr lang="en-US" altLang="ja-JP" dirty="0"/>
+          </a:p>
+          <a:p>
+            <a:r>
+              <a:rPr kumimoji="1" lang="en-US" altLang="ja-JP" dirty="0" smtClean="0"/>
+              <a:t>Canvas</a:t>
+            </a:r>
+            <a:r>
+              <a:rPr kumimoji="1" lang="ja-JP" altLang="en-US" dirty="0" smtClean="0"/>
+              <a:t>は</a:t>
+            </a:r>
+            <a:r>
+              <a:rPr kumimoji="1" lang="en-US" altLang="ja-JP" dirty="0" smtClean="0"/>
+              <a:t>DB</a:t>
+            </a:r>
+            <a:r>
+              <a:rPr kumimoji="1" lang="ja-JP" altLang="en-US" dirty="0" smtClean="0"/>
+              <a:t>の設定がうまくいっていないことが原因で成績が反映されていなさそうだった</a:t>
+            </a:r>
+            <a:endParaRPr kumimoji="1" lang="en-US" altLang="ja-JP" dirty="0" smtClean="0"/>
+          </a:p>
+          <a:p>
+            <a:pPr lvl="1"/>
+            <a:r>
+              <a:rPr lang="ja-JP" altLang="en-US" dirty="0" smtClean="0"/>
+              <a:t>後日、導入し直す</a:t>
+            </a:r>
+            <a:r>
+              <a:rPr lang="en-US" altLang="ja-JP" dirty="0" smtClean="0"/>
+              <a:t>.</a:t>
             </a:r>
             <a:endParaRPr kumimoji="1" lang="en-US" altLang="ja-JP" dirty="0"/>
           </a:p>
@@ -4191,9 +4247,20 @@
           </a:p>
           <a:p>
             <a:r>
-              <a:rPr kumimoji="1" lang="ja-JP" altLang="en-US"/>
-              <a:t>卒論を書いた</a:t>
-            </a:r>
+              <a:rPr kumimoji="1" lang="ja-JP" altLang="en-US" dirty="0"/>
+              <a:t>卒論を</a:t>
+            </a:r>
+            <a:r>
+              <a:rPr kumimoji="1" lang="ja-JP" altLang="en-US" dirty="0" smtClean="0"/>
+              <a:t>書いた</a:t>
+            </a:r>
+            <a:endParaRPr kumimoji="1" lang="en-US" altLang="ja-JP" dirty="0" smtClean="0"/>
+          </a:p>
+          <a:p>
+            <a:endParaRPr lang="en-US" altLang="ja-JP" dirty="0"/>
+          </a:p>
+          <a:p>
+            <a:endParaRPr kumimoji="1" lang="ja-JP" altLang="en-US" dirty="0"/>
           </a:p>
         </p:txBody>
       </p:sp>
@@ -4202,7 +4269,7 @@
           <p:cNvPr id="4" name="スライド番号プレースホルダー 3">
             <a:extLst>
               <a:ext uri="{FF2B5EF4-FFF2-40B4-BE49-F238E27FC236}">
-                <a16:creationId xmlns:a16="http://schemas.microsoft.com/office/drawing/2014/main" id="{ADDA34E5-C613-9F4E-96CC-3EFEC5D6BB56}"/>
+                <a16:creationId xmlns:a16="http://schemas.microsoft.com/office/drawing/2014/main" xmlns="" id="{ADDA34E5-C613-9F4E-96CC-3EFEC5D6BB56}"/>
               </a:ext>
             </a:extLst>
           </p:cNvPr>
@@ -4263,7 +4330,7 @@
           <p:cNvPr id="2" name="タイトル 1">
             <a:extLst>
               <a:ext uri="{FF2B5EF4-FFF2-40B4-BE49-F238E27FC236}">
-                <a16:creationId xmlns:a16="http://schemas.microsoft.com/office/drawing/2014/main" id="{DBCA5107-29B8-A242-80A2-FAE76F26E1DC}"/>
+                <a16:creationId xmlns:a16="http://schemas.microsoft.com/office/drawing/2014/main" xmlns="" id="{DBCA5107-29B8-A242-80A2-FAE76F26E1DC}"/>
               </a:ext>
             </a:extLst>
           </p:cNvPr>
@@ -4292,7 +4359,7 @@
           <p:cNvPr id="3" name="コンテンツ プレースホルダー 2">
             <a:extLst>
               <a:ext uri="{FF2B5EF4-FFF2-40B4-BE49-F238E27FC236}">
-                <a16:creationId xmlns:a16="http://schemas.microsoft.com/office/drawing/2014/main" id="{702E9B03-C4F4-7D40-9752-19A762547DCA}"/>
+                <a16:creationId xmlns:a16="http://schemas.microsoft.com/office/drawing/2014/main" xmlns="" id="{702E9B03-C4F4-7D40-9752-19A762547DCA}"/>
               </a:ext>
             </a:extLst>
           </p:cNvPr>
@@ -4357,7 +4424,7 @@
           <p:cNvPr id="4" name="スライド番号プレースホルダー 3">
             <a:extLst>
               <a:ext uri="{FF2B5EF4-FFF2-40B4-BE49-F238E27FC236}">
-                <a16:creationId xmlns:a16="http://schemas.microsoft.com/office/drawing/2014/main" id="{FC0F158A-5385-4449-84D7-8D411D60534D}"/>
+                <a16:creationId xmlns:a16="http://schemas.microsoft.com/office/drawing/2014/main" xmlns="" id="{FC0F158A-5385-4449-84D7-8D411D60534D}"/>
               </a:ext>
             </a:extLst>
           </p:cNvPr>
@@ -4418,7 +4485,7 @@
           <p:cNvPr id="2" name="タイトル 1">
             <a:extLst>
               <a:ext uri="{FF2B5EF4-FFF2-40B4-BE49-F238E27FC236}">
-                <a16:creationId xmlns:a16="http://schemas.microsoft.com/office/drawing/2014/main" id="{7F1D9C93-D5CA-1D45-83FF-77E40CDCABE3}"/>
+                <a16:creationId xmlns:a16="http://schemas.microsoft.com/office/drawing/2014/main" xmlns="" id="{7F1D9C93-D5CA-1D45-83FF-77E40CDCABE3}"/>
               </a:ext>
             </a:extLst>
           </p:cNvPr>
@@ -4446,7 +4513,7 @@
           <p:cNvPr id="3" name="コンテンツ プレースホルダー 2">
             <a:extLst>
               <a:ext uri="{FF2B5EF4-FFF2-40B4-BE49-F238E27FC236}">
-                <a16:creationId xmlns:a16="http://schemas.microsoft.com/office/drawing/2014/main" id="{ACC6A3C4-EE68-7640-AB87-074E24BC681E}"/>
+                <a16:creationId xmlns:a16="http://schemas.microsoft.com/office/drawing/2014/main" xmlns="" id="{ACC6A3C4-EE68-7640-AB87-074E24BC681E}"/>
               </a:ext>
             </a:extLst>
           </p:cNvPr>
@@ -4463,7 +4530,7 @@
           <a:lstStyle/>
           <a:p>
             <a:r>
-              <a:rPr kumimoji="1" lang="ja-JP" altLang="en-US"/>
+              <a:rPr kumimoji="1" lang="ja-JP" altLang="en-US" dirty="0"/>
               <a:t>シミュレータ</a:t>
             </a:r>
             <a:endParaRPr kumimoji="1" lang="en-US" altLang="ja-JP" dirty="0"/>
@@ -4471,7 +4538,7 @@
           <a:p>
             <a:pPr lvl="1"/>
             <a:r>
-              <a:rPr lang="ja-JP" altLang="en-US"/>
+              <a:rPr lang="ja-JP" altLang="en-US" dirty="0"/>
               <a:t>うまく連携を取る</a:t>
             </a:r>
             <a:endParaRPr lang="en-US" altLang="ja-JP" dirty="0"/>
@@ -4479,7 +4546,7 @@
           <a:p>
             <a:pPr lvl="1"/>
             <a:r>
-              <a:rPr kumimoji="1" lang="ja-JP" altLang="en-US"/>
+              <a:rPr kumimoji="1" lang="ja-JP" altLang="en-US" dirty="0"/>
               <a:t>できれば新機能</a:t>
             </a:r>
             <a:endParaRPr kumimoji="1" lang="en-US" altLang="ja-JP" dirty="0"/>
@@ -4489,10 +4556,29 @@
           </a:p>
           <a:p>
             <a:r>
-              <a:rPr kumimoji="1" lang="en-US" altLang="ja-JP" dirty="0"/>
+              <a:rPr kumimoji="1" lang="en-US" altLang="ja-JP" dirty="0" smtClean="0"/>
               <a:t>LTI</a:t>
             </a:r>
-            <a:endParaRPr kumimoji="1" lang="ja-JP" altLang="en-US"/>
+          </a:p>
+          <a:p>
+            <a:pPr lvl="1"/>
+            <a:r>
+              <a:rPr lang="en-US" altLang="ja-JP" dirty="0" smtClean="0"/>
+              <a:t>Canvas</a:t>
+            </a:r>
+            <a:r>
+              <a:rPr lang="ja-JP" altLang="en-US" dirty="0" smtClean="0"/>
+              <a:t>の再導入</a:t>
+            </a:r>
+            <a:endParaRPr lang="en-US" altLang="ja-JP" dirty="0" smtClean="0"/>
+          </a:p>
+          <a:p>
+            <a:pPr lvl="1"/>
+            <a:r>
+              <a:rPr lang="ja-JP" altLang="en-US" dirty="0" smtClean="0"/>
+              <a:t>沼田から送られてきた成績の反映</a:t>
+            </a:r>
+            <a:endParaRPr kumimoji="1" lang="ja-JP" altLang="en-US" dirty="0"/>
           </a:p>
         </p:txBody>
       </p:sp>
@@ -4501,7 +4587,7 @@
           <p:cNvPr id="4" name="スライド番号プレースホルダー 3">
             <a:extLst>
               <a:ext uri="{FF2B5EF4-FFF2-40B4-BE49-F238E27FC236}">
-                <a16:creationId xmlns:a16="http://schemas.microsoft.com/office/drawing/2014/main" id="{FBC34FF7-2812-F343-B0F7-4F3015DC41B9}"/>
+                <a16:creationId xmlns:a16="http://schemas.microsoft.com/office/drawing/2014/main" xmlns="" id="{FBC34FF7-2812-F343-B0F7-4F3015DC41B9}"/>
               </a:ext>
             </a:extLst>
           </p:cNvPr>

--- a/1225進捗(numa).pptx
+++ b/1225進捗(numa).pptx
@@ -228,7 +228,7 @@
           <a:p>
             <a:fld id="{803DD6A6-FCD2-4EE7-8E6E-99C1A1F687BC}" type="datetimeFigureOut">
               <a:rPr kumimoji="1" lang="ja-JP" altLang="en-US" smtClean="0"/>
-              <a:t>2018/12/25</a:t>
+              <a:t>2019/1/8</a:t>
             </a:fld>
             <a:endParaRPr kumimoji="1" lang="ja-JP" altLang="en-US"/>
           </a:p>
@@ -913,7 +913,7 @@
           <a:p>
             <a:fld id="{0C2D592E-2292-4305-9592-EC97400E21B7}" type="datetime1">
               <a:rPr kumimoji="1" lang="ja-JP" altLang="en-US" smtClean="0"/>
-              <a:t>2018/12/25</a:t>
+              <a:t>2019/1/8</a:t>
             </a:fld>
             <a:endParaRPr kumimoji="1" lang="ja-JP" altLang="en-US"/>
           </a:p>
@@ -1123,7 +1123,7 @@
           <a:p>
             <a:fld id="{E508CA83-B01D-4BAB-B4E2-CF9244F45EF5}" type="datetime1">
               <a:rPr kumimoji="1" lang="ja-JP" altLang="en-US" smtClean="0"/>
-              <a:t>2018/12/25</a:t>
+              <a:t>2019/1/8</a:t>
             </a:fld>
             <a:endParaRPr kumimoji="1" lang="ja-JP" altLang="en-US"/>
           </a:p>
@@ -1328,7 +1328,7 @@
           <a:p>
             <a:fld id="{01E93D1F-BE2F-43FF-9803-5758F1FF87BE}" type="datetime1">
               <a:rPr kumimoji="1" lang="ja-JP" altLang="en-US" smtClean="0"/>
-              <a:t>2018/12/25</a:t>
+              <a:t>2019/1/8</a:t>
             </a:fld>
             <a:endParaRPr kumimoji="1" lang="ja-JP" altLang="en-US"/>
           </a:p>
@@ -1645,7 +1645,7 @@
           <a:p>
             <a:fld id="{EFA39CE0-7535-4E0E-AFE3-F465E7C7C0FF}" type="datetime1">
               <a:rPr kumimoji="1" lang="ja-JP" altLang="en-US" smtClean="0"/>
-              <a:t>2018/12/25</a:t>
+              <a:t>2019/1/8</a:t>
             </a:fld>
             <a:endParaRPr kumimoji="1" lang="ja-JP" altLang="en-US"/>
           </a:p>
@@ -1994,7 +1994,7 @@
           <a:p>
             <a:fld id="{D45C9DD0-C75C-4A45-9030-13826D815CA0}" type="datetime1">
               <a:rPr kumimoji="1" lang="ja-JP" altLang="en-US" smtClean="0"/>
-              <a:t>2018/12/25</a:t>
+              <a:t>2019/1/8</a:t>
             </a:fld>
             <a:endParaRPr kumimoji="1" lang="ja-JP" altLang="en-US"/>
           </a:p>
@@ -2477,7 +2477,7 @@
           <a:p>
             <a:fld id="{CCA1C7AD-18BB-4F25-AC23-F39BF79F4D77}" type="datetime1">
               <a:rPr kumimoji="1" lang="ja-JP" altLang="en-US" smtClean="0"/>
-              <a:t>2018/12/25</a:t>
+              <a:t>2019/1/8</a:t>
             </a:fld>
             <a:endParaRPr kumimoji="1" lang="ja-JP" altLang="en-US"/>
           </a:p>
@@ -2594,7 +2594,7 @@
           <a:p>
             <a:fld id="{AF8EE08C-AC9E-42E7-9719-2A54CCDFBD7D}" type="datetime1">
               <a:rPr kumimoji="1" lang="ja-JP" altLang="en-US" smtClean="0"/>
-              <a:t>2018/12/25</a:t>
+              <a:t>2019/1/8</a:t>
             </a:fld>
             <a:endParaRPr kumimoji="1" lang="ja-JP" altLang="en-US"/>
           </a:p>
@@ -2689,7 +2689,7 @@
           <a:p>
             <a:fld id="{B8073CA2-C66C-41D1-B499-CAA6DB7D7D3A}" type="datetime1">
               <a:rPr kumimoji="1" lang="ja-JP" altLang="en-US" smtClean="0"/>
-              <a:t>2018/12/25</a:t>
+              <a:t>2019/1/8</a:t>
             </a:fld>
             <a:endParaRPr kumimoji="1" lang="ja-JP" altLang="en-US"/>
           </a:p>
@@ -2996,7 +2996,7 @@
           <a:p>
             <a:fld id="{DFBD8235-0C14-4155-9991-B1E146E33912}" type="datetime1">
               <a:rPr kumimoji="1" lang="ja-JP" altLang="en-US" smtClean="0"/>
-              <a:t>2018/12/25</a:t>
+              <a:t>2019/1/8</a:t>
             </a:fld>
             <a:endParaRPr kumimoji="1" lang="ja-JP" altLang="en-US"/>
           </a:p>
@@ -3251,7 +3251,7 @@
           <a:p>
             <a:fld id="{2A91B658-7182-4FD9-A82F-002C38D9BA43}" type="datetime1">
               <a:rPr kumimoji="1" lang="ja-JP" altLang="en-US" smtClean="0"/>
-              <a:t>2018/12/25</a:t>
+              <a:t>2019/1/8</a:t>
             </a:fld>
             <a:endParaRPr kumimoji="1" lang="ja-JP" altLang="en-US"/>
           </a:p>
@@ -3494,7 +3494,7 @@
           <a:p>
             <a:fld id="{5EABF07F-C525-453C-82CD-1DECD51CCA53}" type="datetime1">
               <a:rPr kumimoji="1" lang="ja-JP" altLang="en-US" smtClean="0"/>
-              <a:t>2018/12/25</a:t>
+              <a:t>2019/1/8</a:t>
             </a:fld>
             <a:endParaRPr kumimoji="1" lang="ja-JP" altLang="en-US"/>
           </a:p>
@@ -3979,7 +3979,7 @@
           <p:cNvPr id="2" name="タイトル 1">
             <a:extLst>
               <a:ext uri="{FF2B5EF4-FFF2-40B4-BE49-F238E27FC236}">
-                <a16:creationId xmlns:a16="http://schemas.microsoft.com/office/drawing/2014/main" xmlns="" id="{B488EEBA-DF96-4348-8C6C-41A96B769D90}"/>
+                <a16:creationId xmlns="" xmlns:a16="http://schemas.microsoft.com/office/drawing/2014/main" id="{B488EEBA-DF96-4348-8C6C-41A96B769D90}"/>
               </a:ext>
             </a:extLst>
           </p:cNvPr>
@@ -4007,7 +4007,7 @@
           <p:cNvPr id="3" name="コンテンツ プレースホルダー 2">
             <a:extLst>
               <a:ext uri="{FF2B5EF4-FFF2-40B4-BE49-F238E27FC236}">
-                <a16:creationId xmlns:a16="http://schemas.microsoft.com/office/drawing/2014/main" xmlns="" id="{83482EC4-DA1F-9545-B09C-E42CE6647AA8}"/>
+                <a16:creationId xmlns="" xmlns:a16="http://schemas.microsoft.com/office/drawing/2014/main" id="{83482EC4-DA1F-9545-B09C-E42CE6647AA8}"/>
               </a:ext>
             </a:extLst>
           </p:cNvPr>
@@ -4079,7 +4079,7 @@
           <p:cNvPr id="4" name="スライド番号プレースホルダー 3">
             <a:extLst>
               <a:ext uri="{FF2B5EF4-FFF2-40B4-BE49-F238E27FC236}">
-                <a16:creationId xmlns:a16="http://schemas.microsoft.com/office/drawing/2014/main" xmlns="" id="{61F541E8-3868-C646-9B3A-C66E6368F314}"/>
+                <a16:creationId xmlns="" xmlns:a16="http://schemas.microsoft.com/office/drawing/2014/main" id="{61F541E8-3868-C646-9B3A-C66E6368F314}"/>
               </a:ext>
             </a:extLst>
           </p:cNvPr>
@@ -4140,7 +4140,7 @@
           <p:cNvPr id="2" name="タイトル 1">
             <a:extLst>
               <a:ext uri="{FF2B5EF4-FFF2-40B4-BE49-F238E27FC236}">
-                <a16:creationId xmlns:a16="http://schemas.microsoft.com/office/drawing/2014/main" xmlns="" id="{71587280-4A8E-A142-8516-12D813276F1D}"/>
+                <a16:creationId xmlns="" xmlns:a16="http://schemas.microsoft.com/office/drawing/2014/main" id="{71587280-4A8E-A142-8516-12D813276F1D}"/>
               </a:ext>
             </a:extLst>
           </p:cNvPr>
@@ -4180,7 +4180,7 @@
           <p:cNvPr id="3" name="コンテンツ プレースホルダー 2">
             <a:extLst>
               <a:ext uri="{FF2B5EF4-FFF2-40B4-BE49-F238E27FC236}">
-                <a16:creationId xmlns:a16="http://schemas.microsoft.com/office/drawing/2014/main" xmlns="" id="{799D30A8-5607-1A4D-8942-FEC54A8300C2}"/>
+                <a16:creationId xmlns="" xmlns:a16="http://schemas.microsoft.com/office/drawing/2014/main" id="{799D30A8-5607-1A4D-8942-FEC54A8300C2}"/>
               </a:ext>
             </a:extLst>
           </p:cNvPr>
@@ -4269,7 +4269,7 @@
           <p:cNvPr id="4" name="スライド番号プレースホルダー 3">
             <a:extLst>
               <a:ext uri="{FF2B5EF4-FFF2-40B4-BE49-F238E27FC236}">
-                <a16:creationId xmlns:a16="http://schemas.microsoft.com/office/drawing/2014/main" xmlns="" id="{ADDA34E5-C613-9F4E-96CC-3EFEC5D6BB56}"/>
+                <a16:creationId xmlns="" xmlns:a16="http://schemas.microsoft.com/office/drawing/2014/main" id="{ADDA34E5-C613-9F4E-96CC-3EFEC5D6BB56}"/>
               </a:ext>
             </a:extLst>
           </p:cNvPr>
@@ -4330,7 +4330,7 @@
           <p:cNvPr id="2" name="タイトル 1">
             <a:extLst>
               <a:ext uri="{FF2B5EF4-FFF2-40B4-BE49-F238E27FC236}">
-                <a16:creationId xmlns:a16="http://schemas.microsoft.com/office/drawing/2014/main" xmlns="" id="{DBCA5107-29B8-A242-80A2-FAE76F26E1DC}"/>
+                <a16:creationId xmlns="" xmlns:a16="http://schemas.microsoft.com/office/drawing/2014/main" id="{DBCA5107-29B8-A242-80A2-FAE76F26E1DC}"/>
               </a:ext>
             </a:extLst>
           </p:cNvPr>
@@ -4359,7 +4359,7 @@
           <p:cNvPr id="3" name="コンテンツ プレースホルダー 2">
             <a:extLst>
               <a:ext uri="{FF2B5EF4-FFF2-40B4-BE49-F238E27FC236}">
-                <a16:creationId xmlns:a16="http://schemas.microsoft.com/office/drawing/2014/main" xmlns="" id="{702E9B03-C4F4-7D40-9752-19A762547DCA}"/>
+                <a16:creationId xmlns="" xmlns:a16="http://schemas.microsoft.com/office/drawing/2014/main" id="{702E9B03-C4F4-7D40-9752-19A762547DCA}"/>
               </a:ext>
             </a:extLst>
           </p:cNvPr>
@@ -4424,7 +4424,7 @@
           <p:cNvPr id="4" name="スライド番号プレースホルダー 3">
             <a:extLst>
               <a:ext uri="{FF2B5EF4-FFF2-40B4-BE49-F238E27FC236}">
-                <a16:creationId xmlns:a16="http://schemas.microsoft.com/office/drawing/2014/main" xmlns="" id="{FC0F158A-5385-4449-84D7-8D411D60534D}"/>
+                <a16:creationId xmlns="" xmlns:a16="http://schemas.microsoft.com/office/drawing/2014/main" id="{FC0F158A-5385-4449-84D7-8D411D60534D}"/>
               </a:ext>
             </a:extLst>
           </p:cNvPr>
@@ -4485,7 +4485,7 @@
           <p:cNvPr id="2" name="タイトル 1">
             <a:extLst>
               <a:ext uri="{FF2B5EF4-FFF2-40B4-BE49-F238E27FC236}">
-                <a16:creationId xmlns:a16="http://schemas.microsoft.com/office/drawing/2014/main" xmlns="" id="{7F1D9C93-D5CA-1D45-83FF-77E40CDCABE3}"/>
+                <a16:creationId xmlns="" xmlns:a16="http://schemas.microsoft.com/office/drawing/2014/main" id="{7F1D9C93-D5CA-1D45-83FF-77E40CDCABE3}"/>
               </a:ext>
             </a:extLst>
           </p:cNvPr>
@@ -4513,7 +4513,7 @@
           <p:cNvPr id="3" name="コンテンツ プレースホルダー 2">
             <a:extLst>
               <a:ext uri="{FF2B5EF4-FFF2-40B4-BE49-F238E27FC236}">
-                <a16:creationId xmlns:a16="http://schemas.microsoft.com/office/drawing/2014/main" xmlns="" id="{ACC6A3C4-EE68-7640-AB87-074E24BC681E}"/>
+                <a16:creationId xmlns="" xmlns:a16="http://schemas.microsoft.com/office/drawing/2014/main" id="{ACC6A3C4-EE68-7640-AB87-074E24BC681E}"/>
               </a:ext>
             </a:extLst>
           </p:cNvPr>
@@ -4587,7 +4587,7 @@
           <p:cNvPr id="4" name="スライド番号プレースホルダー 3">
             <a:extLst>
               <a:ext uri="{FF2B5EF4-FFF2-40B4-BE49-F238E27FC236}">
-                <a16:creationId xmlns:a16="http://schemas.microsoft.com/office/drawing/2014/main" xmlns="" id="{FBC34FF7-2812-F343-B0F7-4F3015DC41B9}"/>
+                <a16:creationId xmlns="" xmlns:a16="http://schemas.microsoft.com/office/drawing/2014/main" id="{FBC34FF7-2812-F343-B0F7-4F3015DC41B9}"/>
               </a:ext>
             </a:extLst>
           </p:cNvPr>
